--- a/07_Static_Application_Security_Testing_(SAST).pptx
+++ b/07_Static_Application_Security_Testing_(SAST).pptx
@@ -114,7 +114,57 @@
       </a:defRPr>
     </a:lvl9pPr>
   </p:defaultTextStyle>
+  <p:extLst>
+    <p:ext uri="{EFAFB233-063F-42B5-8137-9DF3F51BA10A}">
+      <p15:sldGuideLst xmlns:p15="http://schemas.microsoft.com/office/powerpoint/2012/main"/>
+    </p:ext>
+  </p:extLst>
 </p:presentation>
+</file>
+
+<file path=ppt/revisionInfo.xml><?xml version="1.0" encoding="utf-8"?>
+<p1510:revInfo xmlns:a="http://schemas.openxmlformats.org/drawingml/2006/main" xmlns:r="http://schemas.openxmlformats.org/officeDocument/2006/relationships" xmlns:p1510="http://schemas.microsoft.com/office/powerpoint/2015/10/main">
+  <p1510:revLst>
+    <p1510:client id="{C0B9366F-00A5-40AB-8EB3-434F7B81DE7C}" v="1" dt="2025-05-25T16:28:54.333"/>
+  </p1510:revLst>
+</p1510:revInfo>
+</file>
+
+<file path=ppt/changesInfos/changesInfo1.xml><?xml version="1.0" encoding="utf-8"?>
+<pc:chgInfo xmlns:a="http://schemas.openxmlformats.org/drawingml/2006/main" xmlns:r="http://schemas.openxmlformats.org/officeDocument/2006/relationships" xmlns:ac="http://schemas.microsoft.com/office/drawing/2013/main/command" xmlns:pc="http://schemas.microsoft.com/office/powerpoint/2013/main/command">
+  <pc:docChgLst>
+    <pc:chgData name="DevOps Security" userId="a8b5d6ee3a09ac59" providerId="LiveId" clId="{C0B9366F-00A5-40AB-8EB3-434F7B81DE7C}"/>
+    <pc:docChg chg="custSel modSld">
+      <pc:chgData name="DevOps Security" userId="a8b5d6ee3a09ac59" providerId="LiveId" clId="{C0B9366F-00A5-40AB-8EB3-434F7B81DE7C}" dt="2025-05-25T16:28:54.333" v="1"/>
+      <pc:docMkLst>
+        <pc:docMk/>
+      </pc:docMkLst>
+      <pc:sldChg chg="addSp delSp modSp mod">
+        <pc:chgData name="DevOps Security" userId="a8b5d6ee3a09ac59" providerId="LiveId" clId="{C0B9366F-00A5-40AB-8EB3-434F7B81DE7C}" dt="2025-05-25T16:28:54.333" v="1"/>
+        <pc:sldMkLst>
+          <pc:docMk/>
+          <pc:sldMk cId="1221710335" sldId="266"/>
+        </pc:sldMkLst>
+        <pc:picChg chg="del">
+          <ac:chgData name="DevOps Security" userId="a8b5d6ee3a09ac59" providerId="LiveId" clId="{C0B9366F-00A5-40AB-8EB3-434F7B81DE7C}" dt="2025-05-25T16:28:51.297" v="0" actId="478"/>
+          <ac:picMkLst>
+            <pc:docMk/>
+            <pc:sldMk cId="1221710335" sldId="266"/>
+            <ac:picMk id="3" creationId="{9B819CE3-A899-A60E-D3D1-F25C63B248C8}"/>
+          </ac:picMkLst>
+        </pc:picChg>
+        <pc:picChg chg="add mod">
+          <ac:chgData name="DevOps Security" userId="a8b5d6ee3a09ac59" providerId="LiveId" clId="{C0B9366F-00A5-40AB-8EB3-434F7B81DE7C}" dt="2025-05-25T16:28:54.333" v="1"/>
+          <ac:picMkLst>
+            <pc:docMk/>
+            <pc:sldMk cId="1221710335" sldId="266"/>
+            <ac:picMk id="4" creationId="{5D8294C1-E444-8DD7-F8AF-BB4C3C8C7B3D}"/>
+          </ac:picMkLst>
+        </pc:picChg>
+      </pc:sldChg>
+    </pc:docChg>
+  </pc:docChgLst>
+</pc:chgInfo>
 </file>
 
 <file path=ppt/slideLayouts/slideLayout1.xml><?xml version="1.0" encoding="utf-8"?>
@@ -266,7 +316,7 @@
           <a:p>
             <a:fld id="{50FDC1DA-5FD6-49F0-B9AE-F5B54353FAF5}" type="datetimeFigureOut">
               <a:rPr lang="en-IN" smtClean="0"/>
-              <a:t>13-05-2025</a:t>
+              <a:t>25-05-2025</a:t>
             </a:fld>
             <a:endParaRPr lang="en-IN"/>
           </a:p>
@@ -466,7 +516,7 @@
           <a:p>
             <a:fld id="{50FDC1DA-5FD6-49F0-B9AE-F5B54353FAF5}" type="datetimeFigureOut">
               <a:rPr lang="en-IN" smtClean="0"/>
-              <a:t>13-05-2025</a:t>
+              <a:t>25-05-2025</a:t>
             </a:fld>
             <a:endParaRPr lang="en-IN"/>
           </a:p>
@@ -676,7 +726,7 @@
           <a:p>
             <a:fld id="{50FDC1DA-5FD6-49F0-B9AE-F5B54353FAF5}" type="datetimeFigureOut">
               <a:rPr lang="en-IN" smtClean="0"/>
-              <a:t>13-05-2025</a:t>
+              <a:t>25-05-2025</a:t>
             </a:fld>
             <a:endParaRPr lang="en-IN"/>
           </a:p>
@@ -876,7 +926,7 @@
           <a:p>
             <a:fld id="{50FDC1DA-5FD6-49F0-B9AE-F5B54353FAF5}" type="datetimeFigureOut">
               <a:rPr lang="en-IN" smtClean="0"/>
-              <a:t>13-05-2025</a:t>
+              <a:t>25-05-2025</a:t>
             </a:fld>
             <a:endParaRPr lang="en-IN"/>
           </a:p>
@@ -1152,7 +1202,7 @@
           <a:p>
             <a:fld id="{50FDC1DA-5FD6-49F0-B9AE-F5B54353FAF5}" type="datetimeFigureOut">
               <a:rPr lang="en-IN" smtClean="0"/>
-              <a:t>13-05-2025</a:t>
+              <a:t>25-05-2025</a:t>
             </a:fld>
             <a:endParaRPr lang="en-IN"/>
           </a:p>
@@ -1420,7 +1470,7 @@
           <a:p>
             <a:fld id="{50FDC1DA-5FD6-49F0-B9AE-F5B54353FAF5}" type="datetimeFigureOut">
               <a:rPr lang="en-IN" smtClean="0"/>
-              <a:t>13-05-2025</a:t>
+              <a:t>25-05-2025</a:t>
             </a:fld>
             <a:endParaRPr lang="en-IN"/>
           </a:p>
@@ -1835,7 +1885,7 @@
           <a:p>
             <a:fld id="{50FDC1DA-5FD6-49F0-B9AE-F5B54353FAF5}" type="datetimeFigureOut">
               <a:rPr lang="en-IN" smtClean="0"/>
-              <a:t>13-05-2025</a:t>
+              <a:t>25-05-2025</a:t>
             </a:fld>
             <a:endParaRPr lang="en-IN"/>
           </a:p>
@@ -1977,7 +2027,7 @@
           <a:p>
             <a:fld id="{50FDC1DA-5FD6-49F0-B9AE-F5B54353FAF5}" type="datetimeFigureOut">
               <a:rPr lang="en-IN" smtClean="0"/>
-              <a:t>13-05-2025</a:t>
+              <a:t>25-05-2025</a:t>
             </a:fld>
             <a:endParaRPr lang="en-IN"/>
           </a:p>
@@ -2090,7 +2140,7 @@
           <a:p>
             <a:fld id="{50FDC1DA-5FD6-49F0-B9AE-F5B54353FAF5}" type="datetimeFigureOut">
               <a:rPr lang="en-IN" smtClean="0"/>
-              <a:t>13-05-2025</a:t>
+              <a:t>25-05-2025</a:t>
             </a:fld>
             <a:endParaRPr lang="en-IN"/>
           </a:p>
@@ -2403,7 +2453,7 @@
           <a:p>
             <a:fld id="{50FDC1DA-5FD6-49F0-B9AE-F5B54353FAF5}" type="datetimeFigureOut">
               <a:rPr lang="en-IN" smtClean="0"/>
-              <a:t>13-05-2025</a:t>
+              <a:t>25-05-2025</a:t>
             </a:fld>
             <a:endParaRPr lang="en-IN"/>
           </a:p>
@@ -2692,7 +2742,7 @@
           <a:p>
             <a:fld id="{50FDC1DA-5FD6-49F0-B9AE-F5B54353FAF5}" type="datetimeFigureOut">
               <a:rPr lang="en-IN" smtClean="0"/>
-              <a:t>13-05-2025</a:t>
+              <a:t>25-05-2025</a:t>
             </a:fld>
             <a:endParaRPr lang="en-IN"/>
           </a:p>
@@ -2935,7 +2985,7 @@
           <a:p>
             <a:fld id="{50FDC1DA-5FD6-49F0-B9AE-F5B54353FAF5}" type="datetimeFigureOut">
               <a:rPr lang="en-IN" smtClean="0"/>
-              <a:t>13-05-2025</a:t>
+              <a:t>25-05-2025</a:t>
             </a:fld>
             <a:endParaRPr lang="en-IN"/>
           </a:p>
@@ -3432,10 +3482,10 @@
       </p:grpSpPr>
       <p:pic>
         <p:nvPicPr>
-          <p:cNvPr id="3" name="Picture 2">
-            <a:extLst>
-              <a:ext uri="{FF2B5EF4-FFF2-40B4-BE49-F238E27FC236}">
-                <a16:creationId xmlns:a16="http://schemas.microsoft.com/office/drawing/2014/main" id="{9B819CE3-A899-A60E-D3D1-F25C63B248C8}"/>
+          <p:cNvPr id="4" name="Picture 3">
+            <a:extLst>
+              <a:ext uri="{FF2B5EF4-FFF2-40B4-BE49-F238E27FC236}">
+                <a16:creationId xmlns:a16="http://schemas.microsoft.com/office/drawing/2014/main" id="{5D8294C1-E444-8DD7-F8AF-BB4C3C8C7B3D}"/>
               </a:ext>
             </a:extLst>
           </p:cNvPr>
